--- a/Bill of Materials/BOM.pptx
+++ b/Bill of Materials/BOM.pptx
@@ -4562,20 +4562,14 @@
       </p:graphicFrame>
       <p:graphicFrame>
         <p:nvGraphicFramePr>
-          <p:cNvPr id="11" name="Table 10"/>
+          <p:cNvPr id="12" name="Table 11"/>
           <p:cNvGraphicFramePr>
             <a:graphicFrameLocks noGrp="1"/>
           </p:cNvGraphicFramePr>
-          <p:nvPr>
-            <p:extLst>
-              <p:ext uri="{D42A27DB-BD31-4B8C-83A1-F6EECF244321}">
-                <p14:modId xmlns:p14="http://schemas.microsoft.com/office/powerpoint/2010/main" val="2887664059"/>
-              </p:ext>
-            </p:extLst>
-          </p:nvPr>
+          <p:nvPr/>
         </p:nvGraphicFramePr>
         <p:xfrm>
-          <a:off x="789364" y="1770624"/>
+          <a:off x="4800600" y="1871663"/>
           <a:ext cx="2590800" cy="3115855"/>
         </p:xfrm>
         <a:graphic>
@@ -4588,28 +4582,28 @@
                 <a:gridCol w="647700">
                   <a:extLst>
                     <a:ext uri="{9D8B030D-6E8A-4147-A177-3AD203B41FA5}">
-                      <a16:colId xmlns:a16="http://schemas.microsoft.com/office/drawing/2014/main" val="3299706232"/>
+                      <a16:colId xmlns:a16="http://schemas.microsoft.com/office/drawing/2014/main" val="3218515442"/>
                     </a:ext>
                   </a:extLst>
                 </a:gridCol>
                 <a:gridCol w="647700">
                   <a:extLst>
                     <a:ext uri="{9D8B030D-6E8A-4147-A177-3AD203B41FA5}">
-                      <a16:colId xmlns:a16="http://schemas.microsoft.com/office/drawing/2014/main" val="1533022108"/>
+                      <a16:colId xmlns:a16="http://schemas.microsoft.com/office/drawing/2014/main" val="197609446"/>
                     </a:ext>
                   </a:extLst>
                 </a:gridCol>
                 <a:gridCol w="647700">
                   <a:extLst>
                     <a:ext uri="{9D8B030D-6E8A-4147-A177-3AD203B41FA5}">
-                      <a16:colId xmlns:a16="http://schemas.microsoft.com/office/drawing/2014/main" val="3070255501"/>
+                      <a16:colId xmlns:a16="http://schemas.microsoft.com/office/drawing/2014/main" val="1401788118"/>
                     </a:ext>
                   </a:extLst>
                 </a:gridCol>
                 <a:gridCol w="647700">
                   <a:extLst>
                     <a:ext uri="{9D8B030D-6E8A-4147-A177-3AD203B41FA5}">
-                      <a16:colId xmlns:a16="http://schemas.microsoft.com/office/drawing/2014/main" val="3954660166"/>
+                      <a16:colId xmlns:a16="http://schemas.microsoft.com/office/drawing/2014/main" val="2872483556"/>
                     </a:ext>
                   </a:extLst>
                 </a:gridCol>
@@ -4709,7 +4703,7 @@
                 </a:tc>
                 <a:extLst>
                   <a:ext uri="{0D108BD9-81ED-4DB2-BD59-A6C34878D82A}">
-                    <a16:rowId xmlns:a16="http://schemas.microsoft.com/office/drawing/2014/main" val="2059168132"/>
+                    <a16:rowId xmlns:a16="http://schemas.microsoft.com/office/drawing/2014/main" val="3372693333"/>
                   </a:ext>
                 </a:extLst>
               </a:tr>
@@ -4808,7 +4802,7 @@
                 </a:tc>
                 <a:extLst>
                   <a:ext uri="{0D108BD9-81ED-4DB2-BD59-A6C34878D82A}">
-                    <a16:rowId xmlns:a16="http://schemas.microsoft.com/office/drawing/2014/main" val="3360587740"/>
+                    <a16:rowId xmlns:a16="http://schemas.microsoft.com/office/drawing/2014/main" val="2953322917"/>
                   </a:ext>
                 </a:extLst>
               </a:tr>
@@ -4907,7 +4901,7 @@
                 </a:tc>
                 <a:extLst>
                   <a:ext uri="{0D108BD9-81ED-4DB2-BD59-A6C34878D82A}">
-                    <a16:rowId xmlns:a16="http://schemas.microsoft.com/office/drawing/2014/main" val="2683867769"/>
+                    <a16:rowId xmlns:a16="http://schemas.microsoft.com/office/drawing/2014/main" val="4137311683"/>
                   </a:ext>
                 </a:extLst>
               </a:tr>
@@ -5006,7 +5000,7 @@
                 </a:tc>
                 <a:extLst>
                   <a:ext uri="{0D108BD9-81ED-4DB2-BD59-A6C34878D82A}">
-                    <a16:rowId xmlns:a16="http://schemas.microsoft.com/office/drawing/2014/main" val="2451847021"/>
+                    <a16:rowId xmlns:a16="http://schemas.microsoft.com/office/drawing/2014/main" val="3570951362"/>
                   </a:ext>
                 </a:extLst>
               </a:tr>
@@ -5105,7 +5099,7 @@
                 </a:tc>
                 <a:extLst>
                   <a:ext uri="{0D108BD9-81ED-4DB2-BD59-A6C34878D82A}">
-                    <a16:rowId xmlns:a16="http://schemas.microsoft.com/office/drawing/2014/main" val="984691595"/>
+                    <a16:rowId xmlns:a16="http://schemas.microsoft.com/office/drawing/2014/main" val="1881468932"/>
                   </a:ext>
                 </a:extLst>
               </a:tr>
@@ -5204,7 +5198,7 @@
                 </a:tc>
                 <a:extLst>
                   <a:ext uri="{0D108BD9-81ED-4DB2-BD59-A6C34878D82A}">
-                    <a16:rowId xmlns:a16="http://schemas.microsoft.com/office/drawing/2014/main" val="2249779780"/>
+                    <a16:rowId xmlns:a16="http://schemas.microsoft.com/office/drawing/2014/main" val="3705414469"/>
                   </a:ext>
                 </a:extLst>
               </a:tr>
@@ -5288,7 +5282,7 @@
                         <a:rPr lang="en-AU" sz="1100" u="none" strike="noStrike">
                           <a:effectLst/>
                         </a:rPr>
-                        <a:t>$0.00</a:t>
+                        <a:t>$5.00</a:t>
                       </a:r>
                       <a:endParaRPr lang="en-AU" sz="1100" b="0" i="0" u="none" strike="noStrike">
                         <a:solidFill>
@@ -5303,7 +5297,7 @@
                 </a:tc>
                 <a:extLst>
                   <a:ext uri="{0D108BD9-81ED-4DB2-BD59-A6C34878D82A}">
-                    <a16:rowId xmlns:a16="http://schemas.microsoft.com/office/drawing/2014/main" val="3182545836"/>
+                    <a16:rowId xmlns:a16="http://schemas.microsoft.com/office/drawing/2014/main" val="3862469918"/>
                   </a:ext>
                 </a:extLst>
               </a:tr>
@@ -5402,7 +5396,7 @@
                 </a:tc>
                 <a:extLst>
                   <a:ext uri="{0D108BD9-81ED-4DB2-BD59-A6C34878D82A}">
-                    <a16:rowId xmlns:a16="http://schemas.microsoft.com/office/drawing/2014/main" val="3118456491"/>
+                    <a16:rowId xmlns:a16="http://schemas.microsoft.com/office/drawing/2014/main" val="1280005558"/>
                   </a:ext>
                 </a:extLst>
               </a:tr>
@@ -5474,7 +5468,7 @@
                         <a:rPr lang="en-AU" sz="1100" u="none" strike="noStrike" dirty="0">
                           <a:effectLst/>
                         </a:rPr>
-                        <a:t>$50.89</a:t>
+                        <a:t>$55.89</a:t>
                       </a:r>
                       <a:endParaRPr lang="en-AU" sz="1100" b="0" i="0" u="none" strike="noStrike" dirty="0">
                         <a:solidFill>
@@ -5489,7 +5483,7 @@
                 </a:tc>
                 <a:extLst>
                   <a:ext uri="{0D108BD9-81ED-4DB2-BD59-A6C34878D82A}">
-                    <a16:rowId xmlns:a16="http://schemas.microsoft.com/office/drawing/2014/main" val="355316602"/>
+                    <a16:rowId xmlns:a16="http://schemas.microsoft.com/office/drawing/2014/main" val="539079454"/>
                   </a:ext>
                 </a:extLst>
               </a:tr>
